--- a/Smart key locker.pptx
+++ b/Smart key locker.pptx
@@ -9,11 +9,12 @@
     <p:sldId id="259" r:id="rId3"/>
     <p:sldId id="257" r:id="rId4"/>
     <p:sldId id="258" r:id="rId5"/>
-    <p:sldId id="260" r:id="rId6"/>
-    <p:sldId id="261" r:id="rId7"/>
-    <p:sldId id="262" r:id="rId8"/>
+    <p:sldId id="265" r:id="rId6"/>
+    <p:sldId id="260" r:id="rId7"/>
+    <p:sldId id="261" r:id="rId8"/>
     <p:sldId id="263" r:id="rId9"/>
     <p:sldId id="264" r:id="rId10"/>
+    <p:sldId id="266" r:id="rId11"/>
   </p:sldIdLst>
   <p:sldSz cx="12192000" cy="6858000"/>
   <p:notesSz cx="6858000" cy="9144000"/>
@@ -112,6 +113,11 @@
       </a:defRPr>
     </a:lvl9pPr>
   </p:defaultTextStyle>
+  <p:extLst>
+    <p:ext uri="{EFAFB233-063F-42B5-8137-9DF3F51BA10A}">
+      <p15:sldGuideLst xmlns:p15="http://schemas.microsoft.com/office/powerpoint/2012/main"/>
+    </p:ext>
+  </p:extLst>
 </p:presentation>
 </file>
 
@@ -165,7 +171,7 @@
           <a:noFill/>
           <a:extLst>
             <a:ext uri="{909E8E84-426E-40dd-AFC4-6F175D3DCCD1}">
-              <a14:hiddenFill xmlns:a14="http://schemas.microsoft.com/office/drawing/2010/main" xmlns="">
+              <a14:hiddenFill xmlns="" xmlns:a14="http://schemas.microsoft.com/office/drawing/2010/main">
                 <a:solidFill>
                   <a:srgbClr val="FFFFFF"/>
                 </a:solidFill>
@@ -225,7 +231,7 @@
             </a:ln>
             <a:extLst>
               <a:ext uri="{91240B29-F687-4f45-9708-019B960494DF}">
-                <a14:hiddenLine xmlns:a14="http://schemas.microsoft.com/office/drawing/2010/main" xmlns="" w="9525">
+                <a14:hiddenLine xmlns="" xmlns:a14="http://schemas.microsoft.com/office/drawing/2010/main" w="9525">
                   <a:solidFill>
                     <a:srgbClr val="000000"/>
                   </a:solidFill>
@@ -315,7 +321,7 @@
             </a:ln>
             <a:extLst>
               <a:ext uri="{91240B29-F687-4f45-9708-019B960494DF}">
-                <a14:hiddenLine xmlns:a14="http://schemas.microsoft.com/office/drawing/2010/main" xmlns="" w="9525">
+                <a14:hiddenLine xmlns="" xmlns:a14="http://schemas.microsoft.com/office/drawing/2010/main" w="9525">
                   <a:solidFill>
                     <a:srgbClr val="000000"/>
                   </a:solidFill>
@@ -405,7 +411,7 @@
             </a:ln>
             <a:extLst>
               <a:ext uri="{91240B29-F687-4f45-9708-019B960494DF}">
-                <a14:hiddenLine xmlns:a14="http://schemas.microsoft.com/office/drawing/2010/main" xmlns="" w="9525">
+                <a14:hiddenLine xmlns="" xmlns:a14="http://schemas.microsoft.com/office/drawing/2010/main" w="9525">
                   <a:solidFill>
                     <a:srgbClr val="000000"/>
                   </a:solidFill>
@@ -439,7 +445,7 @@
             </a:ln>
             <a:extLst>
               <a:ext uri="{91240B29-F687-4f45-9708-019B960494DF}">
-                <a14:hiddenLine xmlns:a14="http://schemas.microsoft.com/office/drawing/2010/main" xmlns="" w="9525">
+                <a14:hiddenLine xmlns="" xmlns:a14="http://schemas.microsoft.com/office/drawing/2010/main" w="9525">
                   <a:solidFill>
                     <a:srgbClr val="000000"/>
                   </a:solidFill>
@@ -529,7 +535,7 @@
             </a:ln>
             <a:extLst>
               <a:ext uri="{91240B29-F687-4f45-9708-019B960494DF}">
-                <a14:hiddenLine xmlns:a14="http://schemas.microsoft.com/office/drawing/2010/main" xmlns="" w="9525">
+                <a14:hiddenLine xmlns="" xmlns:a14="http://schemas.microsoft.com/office/drawing/2010/main" w="9525">
                   <a:solidFill>
                     <a:srgbClr val="000000"/>
                   </a:solidFill>
@@ -591,7 +597,7 @@
             </a:ln>
             <a:extLst>
               <a:ext uri="{91240B29-F687-4f45-9708-019B960494DF}">
-                <a14:hiddenLine xmlns:a14="http://schemas.microsoft.com/office/drawing/2010/main" xmlns="" w="9525">
+                <a14:hiddenLine xmlns="" xmlns:a14="http://schemas.microsoft.com/office/drawing/2010/main" w="9525">
                   <a:solidFill>
                     <a:srgbClr val="000000"/>
                   </a:solidFill>
@@ -653,7 +659,7 @@
             </a:ln>
             <a:extLst>
               <a:ext uri="{91240B29-F687-4f45-9708-019B960494DF}">
-                <a14:hiddenLine xmlns:a14="http://schemas.microsoft.com/office/drawing/2010/main" xmlns="" w="9525">
+                <a14:hiddenLine xmlns="" xmlns:a14="http://schemas.microsoft.com/office/drawing/2010/main" w="9525">
                   <a:solidFill>
                     <a:srgbClr val="000000"/>
                   </a:solidFill>
@@ -743,7 +749,7 @@
             </a:ln>
             <a:extLst>
               <a:ext uri="{91240B29-F687-4f45-9708-019B960494DF}">
-                <a14:hiddenLine xmlns:a14="http://schemas.microsoft.com/office/drawing/2010/main" xmlns="" w="9525">
+                <a14:hiddenLine xmlns="" xmlns:a14="http://schemas.microsoft.com/office/drawing/2010/main" w="9525">
                   <a:solidFill>
                     <a:srgbClr val="000000"/>
                   </a:solidFill>
@@ -805,7 +811,7 @@
             </a:ln>
             <a:extLst>
               <a:ext uri="{91240B29-F687-4f45-9708-019B960494DF}">
-                <a14:hiddenLine xmlns:a14="http://schemas.microsoft.com/office/drawing/2010/main" xmlns="" w="9525">
+                <a14:hiddenLine xmlns="" xmlns:a14="http://schemas.microsoft.com/office/drawing/2010/main" w="9525">
                   <a:solidFill>
                     <a:srgbClr val="000000"/>
                   </a:solidFill>
@@ -867,7 +873,7 @@
             </a:ln>
             <a:extLst>
               <a:ext uri="{91240B29-F687-4f45-9708-019B960494DF}">
-                <a14:hiddenLine xmlns:a14="http://schemas.microsoft.com/office/drawing/2010/main" xmlns="" w="9525">
+                <a14:hiddenLine xmlns="" xmlns:a14="http://schemas.microsoft.com/office/drawing/2010/main" w="9525">
                   <a:solidFill>
                     <a:srgbClr val="000000"/>
                   </a:solidFill>
@@ -957,7 +963,7 @@
             </a:ln>
             <a:extLst>
               <a:ext uri="{91240B29-F687-4f45-9708-019B960494DF}">
-                <a14:hiddenLine xmlns:a14="http://schemas.microsoft.com/office/drawing/2010/main" xmlns="" w="9525">
+                <a14:hiddenLine xmlns="" xmlns:a14="http://schemas.microsoft.com/office/drawing/2010/main" w="9525">
                   <a:solidFill>
                     <a:srgbClr val="000000"/>
                   </a:solidFill>
@@ -1047,7 +1053,7 @@
             </a:ln>
             <a:extLst>
               <a:ext uri="{91240B29-F687-4f45-9708-019B960494DF}">
-                <a14:hiddenLine xmlns:a14="http://schemas.microsoft.com/office/drawing/2010/main" xmlns="" w="9525">
+                <a14:hiddenLine xmlns="" xmlns:a14="http://schemas.microsoft.com/office/drawing/2010/main" w="9525">
                   <a:solidFill>
                     <a:srgbClr val="000000"/>
                   </a:solidFill>
@@ -1109,7 +1115,7 @@
             </a:ln>
             <a:extLst>
               <a:ext uri="{91240B29-F687-4f45-9708-019B960494DF}">
-                <a14:hiddenLine xmlns:a14="http://schemas.microsoft.com/office/drawing/2010/main" xmlns="" w="9525">
+                <a14:hiddenLine xmlns="" xmlns:a14="http://schemas.microsoft.com/office/drawing/2010/main" w="9525">
                   <a:solidFill>
                     <a:srgbClr val="000000"/>
                   </a:solidFill>
@@ -1219,7 +1225,7 @@
             </a:ln>
             <a:extLst>
               <a:ext uri="{91240B29-F687-4f45-9708-019B960494DF}">
-                <a14:hiddenLine xmlns:a14="http://schemas.microsoft.com/office/drawing/2010/main" xmlns="" w="9525">
+                <a14:hiddenLine xmlns="" xmlns:a14="http://schemas.microsoft.com/office/drawing/2010/main" w="9525">
                   <a:solidFill>
                     <a:srgbClr val="000000"/>
                   </a:solidFill>
@@ -1281,7 +1287,7 @@
             </a:ln>
             <a:extLst>
               <a:ext uri="{91240B29-F687-4f45-9708-019B960494DF}">
-                <a14:hiddenLine xmlns:a14="http://schemas.microsoft.com/office/drawing/2010/main" xmlns="" w="9525">
+                <a14:hiddenLine xmlns="" xmlns:a14="http://schemas.microsoft.com/office/drawing/2010/main" w="9525">
                   <a:solidFill>
                     <a:srgbClr val="000000"/>
                   </a:solidFill>
@@ -1371,7 +1377,7 @@
             </a:ln>
             <a:extLst>
               <a:ext uri="{91240B29-F687-4f45-9708-019B960494DF}">
-                <a14:hiddenLine xmlns:a14="http://schemas.microsoft.com/office/drawing/2010/main" xmlns="" w="9525">
+                <a14:hiddenLine xmlns="" xmlns:a14="http://schemas.microsoft.com/office/drawing/2010/main" w="9525">
                   <a:solidFill>
                     <a:srgbClr val="000000"/>
                   </a:solidFill>
@@ -1461,7 +1467,7 @@
             </a:ln>
             <a:extLst>
               <a:ext uri="{91240B29-F687-4f45-9708-019B960494DF}">
-                <a14:hiddenLine xmlns:a14="http://schemas.microsoft.com/office/drawing/2010/main" xmlns="" w="9525">
+                <a14:hiddenLine xmlns="" xmlns:a14="http://schemas.microsoft.com/office/drawing/2010/main" w="9525">
                   <a:solidFill>
                     <a:srgbClr val="000000"/>
                   </a:solidFill>
@@ -1523,7 +1529,7 @@
             </a:ln>
             <a:extLst>
               <a:ext uri="{91240B29-F687-4f45-9708-019B960494DF}">
-                <a14:hiddenLine xmlns:a14="http://schemas.microsoft.com/office/drawing/2010/main" xmlns="" w="9525">
+                <a14:hiddenLine xmlns="" xmlns:a14="http://schemas.microsoft.com/office/drawing/2010/main" w="9525">
                   <a:solidFill>
                     <a:srgbClr val="000000"/>
                   </a:solidFill>
@@ -1613,7 +1619,7 @@
             </a:ln>
             <a:extLst>
               <a:ext uri="{91240B29-F687-4f45-9708-019B960494DF}">
-                <a14:hiddenLine xmlns:a14="http://schemas.microsoft.com/office/drawing/2010/main" xmlns="" w="9525">
+                <a14:hiddenLine xmlns="" xmlns:a14="http://schemas.microsoft.com/office/drawing/2010/main" w="9525">
                   <a:solidFill>
                     <a:srgbClr val="000000"/>
                   </a:solidFill>
@@ -1703,7 +1709,7 @@
             </a:ln>
             <a:extLst>
               <a:ext uri="{91240B29-F687-4f45-9708-019B960494DF}">
-                <a14:hiddenLine xmlns:a14="http://schemas.microsoft.com/office/drawing/2010/main" xmlns="" w="9525">
+                <a14:hiddenLine xmlns="" xmlns:a14="http://schemas.microsoft.com/office/drawing/2010/main" w="9525">
                   <a:solidFill>
                     <a:srgbClr val="000000"/>
                   </a:solidFill>
@@ -1759,7 +1765,7 @@
             </a:ln>
             <a:extLst>
               <a:ext uri="{91240B29-F687-4f45-9708-019B960494DF}">
-                <a14:hiddenLine xmlns:a14="http://schemas.microsoft.com/office/drawing/2010/main" xmlns="" w="9525">
+                <a14:hiddenLine xmlns="" xmlns:a14="http://schemas.microsoft.com/office/drawing/2010/main" w="9525">
                   <a:solidFill>
                     <a:srgbClr val="000000"/>
                   </a:solidFill>
@@ -1849,7 +1855,7 @@
             </a:ln>
             <a:extLst>
               <a:ext uri="{91240B29-F687-4f45-9708-019B960494DF}">
-                <a14:hiddenLine xmlns:a14="http://schemas.microsoft.com/office/drawing/2010/main" xmlns="" w="9525">
+                <a14:hiddenLine xmlns="" xmlns:a14="http://schemas.microsoft.com/office/drawing/2010/main" w="9525">
                   <a:solidFill>
                     <a:srgbClr val="000000"/>
                   </a:solidFill>
@@ -1905,7 +1911,7 @@
             </a:ln>
             <a:extLst>
               <a:ext uri="{91240B29-F687-4f45-9708-019B960494DF}">
-                <a14:hiddenLine xmlns:a14="http://schemas.microsoft.com/office/drawing/2010/main" xmlns="" w="9525">
+                <a14:hiddenLine xmlns="" xmlns:a14="http://schemas.microsoft.com/office/drawing/2010/main" w="9525">
                   <a:solidFill>
                     <a:srgbClr val="000000"/>
                   </a:solidFill>
@@ -1995,7 +2001,7 @@
             </a:ln>
             <a:extLst>
               <a:ext uri="{91240B29-F687-4f45-9708-019B960494DF}">
-                <a14:hiddenLine xmlns:a14="http://schemas.microsoft.com/office/drawing/2010/main" xmlns="" w="9525">
+                <a14:hiddenLine xmlns="" xmlns:a14="http://schemas.microsoft.com/office/drawing/2010/main" w="9525">
                   <a:solidFill>
                     <a:srgbClr val="000000"/>
                   </a:solidFill>
@@ -2063,7 +2069,7 @@
             </a:ln>
             <a:extLst>
               <a:ext uri="{91240B29-F687-4f45-9708-019B960494DF}">
-                <a14:hiddenLine xmlns:a14="http://schemas.microsoft.com/office/drawing/2010/main" xmlns="" w="9525">
+                <a14:hiddenLine xmlns="" xmlns:a14="http://schemas.microsoft.com/office/drawing/2010/main" w="9525">
                   <a:solidFill>
                     <a:srgbClr val="000000"/>
                   </a:solidFill>
@@ -2153,7 +2159,7 @@
             </a:ln>
             <a:extLst>
               <a:ext uri="{91240B29-F687-4f45-9708-019B960494DF}">
-                <a14:hiddenLine xmlns:a14="http://schemas.microsoft.com/office/drawing/2010/main" xmlns="" w="9525">
+                <a14:hiddenLine xmlns="" xmlns:a14="http://schemas.microsoft.com/office/drawing/2010/main" w="9525">
                   <a:solidFill>
                     <a:srgbClr val="000000"/>
                   </a:solidFill>
@@ -2221,7 +2227,7 @@
             </a:ln>
             <a:extLst>
               <a:ext uri="{91240B29-F687-4f45-9708-019B960494DF}">
-                <a14:hiddenLine xmlns:a14="http://schemas.microsoft.com/office/drawing/2010/main" xmlns="" w="9525">
+                <a14:hiddenLine xmlns="" xmlns:a14="http://schemas.microsoft.com/office/drawing/2010/main" w="9525">
                   <a:solidFill>
                     <a:srgbClr val="000000"/>
                   </a:solidFill>
@@ -2311,7 +2317,7 @@
             </a:ln>
             <a:extLst>
               <a:ext uri="{91240B29-F687-4f45-9708-019B960494DF}">
-                <a14:hiddenLine xmlns:a14="http://schemas.microsoft.com/office/drawing/2010/main" xmlns="" w="9525">
+                <a14:hiddenLine xmlns="" xmlns:a14="http://schemas.microsoft.com/office/drawing/2010/main" w="9525">
                   <a:solidFill>
                     <a:srgbClr val="000000"/>
                   </a:solidFill>
@@ -2345,7 +2351,7 @@
             </a:ln>
             <a:extLst>
               <a:ext uri="{91240B29-F687-4f45-9708-019B960494DF}">
-                <a14:hiddenLine xmlns:a14="http://schemas.microsoft.com/office/drawing/2010/main" xmlns="" w="9525">
+                <a14:hiddenLine xmlns="" xmlns:a14="http://schemas.microsoft.com/office/drawing/2010/main" w="9525">
                   <a:solidFill>
                     <a:srgbClr val="000000"/>
                   </a:solidFill>
@@ -2435,7 +2441,7 @@
             </a:ln>
             <a:extLst>
               <a:ext uri="{91240B29-F687-4f45-9708-019B960494DF}">
-                <a14:hiddenLine xmlns:a14="http://schemas.microsoft.com/office/drawing/2010/main" xmlns="" w="9525">
+                <a14:hiddenLine xmlns="" xmlns:a14="http://schemas.microsoft.com/office/drawing/2010/main" w="9525">
                   <a:solidFill>
                     <a:srgbClr val="000000"/>
                   </a:solidFill>
@@ -2497,7 +2503,7 @@
             </a:ln>
             <a:extLst>
               <a:ext uri="{91240B29-F687-4f45-9708-019B960494DF}">
-                <a14:hiddenLine xmlns:a14="http://schemas.microsoft.com/office/drawing/2010/main" xmlns="" w="9525">
+                <a14:hiddenLine xmlns="" xmlns:a14="http://schemas.microsoft.com/office/drawing/2010/main" w="9525">
                   <a:solidFill>
                     <a:srgbClr val="000000"/>
                   </a:solidFill>
@@ -2559,7 +2565,7 @@
             </a:ln>
             <a:extLst>
               <a:ext uri="{91240B29-F687-4f45-9708-019B960494DF}">
-                <a14:hiddenLine xmlns:a14="http://schemas.microsoft.com/office/drawing/2010/main" xmlns="" w="9525">
+                <a14:hiddenLine xmlns="" xmlns:a14="http://schemas.microsoft.com/office/drawing/2010/main" w="9525">
                   <a:solidFill>
                     <a:srgbClr val="000000"/>
                   </a:solidFill>
@@ -2649,7 +2655,7 @@
             </a:ln>
             <a:extLst>
               <a:ext uri="{91240B29-F687-4f45-9708-019B960494DF}">
-                <a14:hiddenLine xmlns:a14="http://schemas.microsoft.com/office/drawing/2010/main" xmlns="" w="9525">
+                <a14:hiddenLine xmlns="" xmlns:a14="http://schemas.microsoft.com/office/drawing/2010/main" w="9525">
                   <a:solidFill>
                     <a:srgbClr val="000000"/>
                   </a:solidFill>
@@ -2717,7 +2723,7 @@
             </a:ln>
             <a:extLst>
               <a:ext uri="{91240B29-F687-4f45-9708-019B960494DF}">
-                <a14:hiddenLine xmlns:a14="http://schemas.microsoft.com/office/drawing/2010/main" xmlns="" w="9525">
+                <a14:hiddenLine xmlns="" xmlns:a14="http://schemas.microsoft.com/office/drawing/2010/main" w="9525">
                   <a:solidFill>
                     <a:srgbClr val="000000"/>
                   </a:solidFill>
@@ -2779,7 +2785,7 @@
             </a:ln>
             <a:extLst>
               <a:ext uri="{91240B29-F687-4f45-9708-019B960494DF}">
-                <a14:hiddenLine xmlns:a14="http://schemas.microsoft.com/office/drawing/2010/main" xmlns="" w="9525">
+                <a14:hiddenLine xmlns="" xmlns:a14="http://schemas.microsoft.com/office/drawing/2010/main" w="9525">
                   <a:solidFill>
                     <a:srgbClr val="000000"/>
                   </a:solidFill>
@@ -2869,7 +2875,7 @@
             </a:ln>
             <a:extLst>
               <a:ext uri="{91240B29-F687-4f45-9708-019B960494DF}">
-                <a14:hiddenLine xmlns:a14="http://schemas.microsoft.com/office/drawing/2010/main" xmlns="" w="9525">
+                <a14:hiddenLine xmlns="" xmlns:a14="http://schemas.microsoft.com/office/drawing/2010/main" w="9525">
                   <a:solidFill>
                     <a:srgbClr val="000000"/>
                   </a:solidFill>
@@ -2931,7 +2937,7 @@
             </a:ln>
             <a:extLst>
               <a:ext uri="{91240B29-F687-4f45-9708-019B960494DF}">
-                <a14:hiddenLine xmlns:a14="http://schemas.microsoft.com/office/drawing/2010/main" xmlns="" w="9525">
+                <a14:hiddenLine xmlns="" xmlns:a14="http://schemas.microsoft.com/office/drawing/2010/main" w="9525">
                   <a:solidFill>
                     <a:srgbClr val="000000"/>
                   </a:solidFill>
@@ -3021,7 +3027,7 @@
             </a:ln>
             <a:extLst>
               <a:ext uri="{91240B29-F687-4f45-9708-019B960494DF}">
-                <a14:hiddenLine xmlns:a14="http://schemas.microsoft.com/office/drawing/2010/main" xmlns="" w="9525">
+                <a14:hiddenLine xmlns="" xmlns:a14="http://schemas.microsoft.com/office/drawing/2010/main" w="9525">
                   <a:solidFill>
                     <a:srgbClr val="000000"/>
                   </a:solidFill>
@@ -3083,7 +3089,7 @@
             </a:ln>
             <a:extLst>
               <a:ext uri="{91240B29-F687-4f45-9708-019B960494DF}">
-                <a14:hiddenLine xmlns:a14="http://schemas.microsoft.com/office/drawing/2010/main" xmlns="" w="9525">
+                <a14:hiddenLine xmlns="" xmlns:a14="http://schemas.microsoft.com/office/drawing/2010/main" w="9525">
                   <a:solidFill>
                     <a:srgbClr val="000000"/>
                   </a:solidFill>
@@ -3173,7 +3179,7 @@
             </a:ln>
             <a:extLst>
               <a:ext uri="{91240B29-F687-4f45-9708-019B960494DF}">
-                <a14:hiddenLine xmlns:a14="http://schemas.microsoft.com/office/drawing/2010/main" xmlns="" w="9525">
+                <a14:hiddenLine xmlns="" xmlns:a14="http://schemas.microsoft.com/office/drawing/2010/main" w="9525">
                   <a:solidFill>
                     <a:srgbClr val="000000"/>
                   </a:solidFill>
@@ -3207,7 +3213,7 @@
             </a:ln>
             <a:extLst>
               <a:ext uri="{91240B29-F687-4f45-9708-019B960494DF}">
-                <a14:hiddenLine xmlns:a14="http://schemas.microsoft.com/office/drawing/2010/main" xmlns="" w="9525">
+                <a14:hiddenLine xmlns="" xmlns:a14="http://schemas.microsoft.com/office/drawing/2010/main" w="9525">
                   <a:solidFill>
                     <a:srgbClr val="000000"/>
                   </a:solidFill>
@@ -3272,7 +3278,7 @@
             </a:ln>
             <a:extLst>
               <a:ext uri="{91240B29-F687-4f45-9708-019B960494DF}">
-                <a14:hiddenLine xmlns:a14="http://schemas.microsoft.com/office/drawing/2010/main" xmlns="" w="9525">
+                <a14:hiddenLine xmlns="" xmlns:a14="http://schemas.microsoft.com/office/drawing/2010/main" w="9525">
                   <a:solidFill>
                     <a:srgbClr val="000000"/>
                   </a:solidFill>
@@ -3362,7 +3368,7 @@
             </a:ln>
             <a:extLst>
               <a:ext uri="{91240B29-F687-4f45-9708-019B960494DF}">
-                <a14:hiddenLine xmlns:a14="http://schemas.microsoft.com/office/drawing/2010/main" xmlns="" w="9525">
+                <a14:hiddenLine xmlns="" xmlns:a14="http://schemas.microsoft.com/office/drawing/2010/main" w="9525">
                   <a:solidFill>
                     <a:srgbClr val="000000"/>
                   </a:solidFill>
@@ -3424,7 +3430,7 @@
             </a:ln>
             <a:extLst>
               <a:ext uri="{91240B29-F687-4f45-9708-019B960494DF}">
-                <a14:hiddenLine xmlns:a14="http://schemas.microsoft.com/office/drawing/2010/main" xmlns="" w="9525">
+                <a14:hiddenLine xmlns="" xmlns:a14="http://schemas.microsoft.com/office/drawing/2010/main" w="9525">
                   <a:solidFill>
                     <a:srgbClr val="000000"/>
                   </a:solidFill>
@@ -3514,7 +3520,7 @@
             </a:ln>
             <a:extLst>
               <a:ext uri="{91240B29-F687-4f45-9708-019B960494DF}">
-                <a14:hiddenLine xmlns:a14="http://schemas.microsoft.com/office/drawing/2010/main" xmlns="" w="9525">
+                <a14:hiddenLine xmlns="" xmlns:a14="http://schemas.microsoft.com/office/drawing/2010/main" w="9525">
                   <a:solidFill>
                     <a:srgbClr val="000000"/>
                   </a:solidFill>
@@ -3604,7 +3610,7 @@
             </a:ln>
             <a:extLst>
               <a:ext uri="{91240B29-F687-4f45-9708-019B960494DF}">
-                <a14:hiddenLine xmlns:a14="http://schemas.microsoft.com/office/drawing/2010/main" xmlns="" w="9525">
+                <a14:hiddenLine xmlns="" xmlns:a14="http://schemas.microsoft.com/office/drawing/2010/main" w="9525">
                   <a:solidFill>
                     <a:srgbClr val="000000"/>
                   </a:solidFill>
@@ -3669,7 +3675,7 @@
             </a:ln>
             <a:extLst>
               <a:ext uri="{91240B29-F687-4f45-9708-019B960494DF}">
-                <a14:hiddenLine xmlns:a14="http://schemas.microsoft.com/office/drawing/2010/main" xmlns="" w="9525">
+                <a14:hiddenLine xmlns="" xmlns:a14="http://schemas.microsoft.com/office/drawing/2010/main" w="9525">
                   <a:solidFill>
                     <a:srgbClr val="000000"/>
                   </a:solidFill>
@@ -3731,7 +3737,7 @@
             </a:ln>
             <a:extLst>
               <a:ext uri="{91240B29-F687-4f45-9708-019B960494DF}">
-                <a14:hiddenLine xmlns:a14="http://schemas.microsoft.com/office/drawing/2010/main" xmlns="" w="9525">
+                <a14:hiddenLine xmlns="" xmlns:a14="http://schemas.microsoft.com/office/drawing/2010/main" w="9525">
                   <a:solidFill>
                     <a:srgbClr val="000000"/>
                   </a:solidFill>
@@ -3821,7 +3827,7 @@
             </a:ln>
             <a:extLst>
               <a:ext uri="{91240B29-F687-4f45-9708-019B960494DF}">
-                <a14:hiddenLine xmlns:a14="http://schemas.microsoft.com/office/drawing/2010/main" xmlns="" w="9525">
+                <a14:hiddenLine xmlns="" xmlns:a14="http://schemas.microsoft.com/office/drawing/2010/main" w="9525">
                   <a:solidFill>
                     <a:srgbClr val="000000"/>
                   </a:solidFill>
@@ -3911,7 +3917,7 @@
             </a:ln>
             <a:extLst>
               <a:ext uri="{91240B29-F687-4f45-9708-019B960494DF}">
-                <a14:hiddenLine xmlns:a14="http://schemas.microsoft.com/office/drawing/2010/main" xmlns="" w="9525">
+                <a14:hiddenLine xmlns="" xmlns:a14="http://schemas.microsoft.com/office/drawing/2010/main" w="9525">
                   <a:solidFill>
                     <a:srgbClr val="000000"/>
                   </a:solidFill>
@@ -3973,7 +3979,7 @@
             </a:ln>
             <a:extLst>
               <a:ext uri="{91240B29-F687-4f45-9708-019B960494DF}">
-                <a14:hiddenLine xmlns:a14="http://schemas.microsoft.com/office/drawing/2010/main" xmlns="" w="9525">
+                <a14:hiddenLine xmlns="" xmlns:a14="http://schemas.microsoft.com/office/drawing/2010/main" w="9525">
                   <a:solidFill>
                     <a:srgbClr val="000000"/>
                   </a:solidFill>
@@ -4093,7 +4099,7 @@
             </a:ln>
             <a:extLst>
               <a:ext uri="{91240B29-F687-4f45-9708-019B960494DF}">
-                <a14:hiddenLine xmlns:a14="http://schemas.microsoft.com/office/drawing/2010/main" xmlns="" w="9525">
+                <a14:hiddenLine xmlns="" xmlns:a14="http://schemas.microsoft.com/office/drawing/2010/main" w="9525">
                   <a:solidFill>
                     <a:srgbClr val="000000"/>
                   </a:solidFill>
@@ -4161,7 +4167,7 @@
             </a:ln>
             <a:extLst>
               <a:ext uri="{91240B29-F687-4f45-9708-019B960494DF}">
-                <a14:hiddenLine xmlns:a14="http://schemas.microsoft.com/office/drawing/2010/main" xmlns="" w="9525">
+                <a14:hiddenLine xmlns="" xmlns:a14="http://schemas.microsoft.com/office/drawing/2010/main" w="9525">
                   <a:solidFill>
                     <a:srgbClr val="000000"/>
                   </a:solidFill>
@@ -4251,7 +4257,7 @@
             </a:ln>
             <a:extLst>
               <a:ext uri="{91240B29-F687-4f45-9708-019B960494DF}">
-                <a14:hiddenLine xmlns:a14="http://schemas.microsoft.com/office/drawing/2010/main" xmlns="" w="9525">
+                <a14:hiddenLine xmlns="" xmlns:a14="http://schemas.microsoft.com/office/drawing/2010/main" w="9525">
                   <a:solidFill>
                     <a:srgbClr val="000000"/>
                   </a:solidFill>
@@ -4391,7 +4397,7 @@
           <a:p>
             <a:fld id="{48A87A34-81AB-432B-8DAE-1953F412C126}" type="datetimeFigureOut">
               <a:rPr lang="en-US" dirty="0"/>
-              <a:t>6/27/2019</a:t>
+              <a:t>7/4/2019</a:t>
             </a:fld>
             <a:endParaRPr lang="en-US" dirty="0"/>
           </a:p>
@@ -4653,7 +4659,7 @@
           <a:p>
             <a:fld id="{48A87A34-81AB-432B-8DAE-1953F412C126}" type="datetimeFigureOut">
               <a:rPr lang="en-US" dirty="0"/>
-              <a:t>6/27/2019</a:t>
+              <a:t>7/4/2019</a:t>
             </a:fld>
             <a:endParaRPr lang="en-US" dirty="0"/>
           </a:p>
@@ -4844,7 +4850,7 @@
           <a:p>
             <a:fld id="{48A87A34-81AB-432B-8DAE-1953F412C126}" type="datetimeFigureOut">
               <a:rPr lang="en-US" dirty="0"/>
-              <a:t>6/27/2019</a:t>
+              <a:t>7/4/2019</a:t>
             </a:fld>
             <a:endParaRPr lang="en-US" dirty="0"/>
           </a:p>
@@ -5102,7 +5108,7 @@
           <a:p>
             <a:fld id="{48A87A34-81AB-432B-8DAE-1953F412C126}" type="datetimeFigureOut">
               <a:rPr lang="en-US" dirty="0"/>
-              <a:t>6/27/2019</a:t>
+              <a:t>7/4/2019</a:t>
             </a:fld>
             <a:endParaRPr lang="en-US" dirty="0"/>
           </a:p>
@@ -5531,7 +5537,7 @@
           <a:p>
             <a:fld id="{48A87A34-81AB-432B-8DAE-1953F412C126}" type="datetimeFigureOut">
               <a:rPr lang="en-US" dirty="0"/>
-              <a:t>6/27/2019</a:t>
+              <a:t>7/4/2019</a:t>
             </a:fld>
             <a:endParaRPr lang="en-US" dirty="0"/>
           </a:p>
@@ -6072,7 +6078,7 @@
           <a:p>
             <a:fld id="{48A87A34-81AB-432B-8DAE-1953F412C126}" type="datetimeFigureOut">
               <a:rPr lang="en-US" dirty="0"/>
-              <a:t>6/27/2019</a:t>
+              <a:t>7/4/2019</a:t>
             </a:fld>
             <a:endParaRPr lang="en-US" dirty="0"/>
           </a:p>
@@ -6787,7 +6793,7 @@
           <a:p>
             <a:fld id="{48A87A34-81AB-432B-8DAE-1953F412C126}" type="datetimeFigureOut">
               <a:rPr lang="en-US" dirty="0"/>
-              <a:t>6/27/2019</a:t>
+              <a:t>7/4/2019</a:t>
             </a:fld>
             <a:endParaRPr lang="en-US" dirty="0"/>
           </a:p>
@@ -6952,7 +6958,7 @@
           <a:p>
             <a:fld id="{48A87A34-81AB-432B-8DAE-1953F412C126}" type="datetimeFigureOut">
               <a:rPr lang="en-US" dirty="0"/>
-              <a:t>6/27/2019</a:t>
+              <a:t>7/4/2019</a:t>
             </a:fld>
             <a:endParaRPr lang="en-US" dirty="0"/>
           </a:p>
@@ -7127,7 +7133,7 @@
           <a:p>
             <a:fld id="{48A87A34-81AB-432B-8DAE-1953F412C126}" type="datetimeFigureOut">
               <a:rPr lang="en-US" dirty="0"/>
-              <a:t>6/27/2019</a:t>
+              <a:t>7/4/2019</a:t>
             </a:fld>
             <a:endParaRPr lang="en-US" dirty="0"/>
           </a:p>
@@ -7292,7 +7298,7 @@
           <a:p>
             <a:fld id="{48A87A34-81AB-432B-8DAE-1953F412C126}" type="datetimeFigureOut">
               <a:rPr lang="en-US" dirty="0"/>
-              <a:t>6/27/2019</a:t>
+              <a:t>7/4/2019</a:t>
             </a:fld>
             <a:endParaRPr lang="en-US" dirty="0"/>
           </a:p>
@@ -7537,7 +7543,7 @@
           <a:p>
             <a:fld id="{48A87A34-81AB-432B-8DAE-1953F412C126}" type="datetimeFigureOut">
               <a:rPr lang="en-US" dirty="0"/>
-              <a:t>6/27/2019</a:t>
+              <a:t>7/4/2019</a:t>
             </a:fld>
             <a:endParaRPr lang="en-US" dirty="0"/>
           </a:p>
@@ -7764,7 +7770,7 @@
           <a:p>
             <a:fld id="{48A87A34-81AB-432B-8DAE-1953F412C126}" type="datetimeFigureOut">
               <a:rPr lang="en-US" dirty="0"/>
-              <a:t>6/27/2019</a:t>
+              <a:t>7/4/2019</a:t>
             </a:fld>
             <a:endParaRPr lang="en-US" dirty="0"/>
           </a:p>
@@ -8140,7 +8146,7 @@
           <a:p>
             <a:fld id="{48A87A34-81AB-432B-8DAE-1953F412C126}" type="datetimeFigureOut">
               <a:rPr lang="en-US" dirty="0"/>
-              <a:t>6/27/2019</a:t>
+              <a:t>7/4/2019</a:t>
             </a:fld>
             <a:endParaRPr lang="en-US" dirty="0"/>
           </a:p>
@@ -8253,7 +8259,7 @@
           <a:p>
             <a:fld id="{48A87A34-81AB-432B-8DAE-1953F412C126}" type="datetimeFigureOut">
               <a:rPr lang="en-US" dirty="0"/>
-              <a:t>6/27/2019</a:t>
+              <a:t>7/4/2019</a:t>
             </a:fld>
             <a:endParaRPr lang="en-US" dirty="0"/>
           </a:p>
@@ -8343,7 +8349,7 @@
           <a:p>
             <a:fld id="{48A87A34-81AB-432B-8DAE-1953F412C126}" type="datetimeFigureOut">
               <a:rPr lang="en-US" dirty="0"/>
-              <a:t>6/27/2019</a:t>
+              <a:t>7/4/2019</a:t>
             </a:fld>
             <a:endParaRPr lang="en-US" dirty="0"/>
           </a:p>
@@ -8587,7 +8593,7 @@
           <a:p>
             <a:fld id="{48A87A34-81AB-432B-8DAE-1953F412C126}" type="datetimeFigureOut">
               <a:rPr lang="en-US" dirty="0"/>
-              <a:t>6/27/2019</a:t>
+              <a:t>7/4/2019</a:t>
             </a:fld>
             <a:endParaRPr lang="en-US" dirty="0"/>
           </a:p>
@@ -8862,7 +8868,7 @@
           <a:p>
             <a:fld id="{48A87A34-81AB-432B-8DAE-1953F412C126}" type="datetimeFigureOut">
               <a:rPr lang="en-US" dirty="0"/>
-              <a:t>6/27/2019</a:t>
+              <a:t>7/4/2019</a:t>
             </a:fld>
             <a:endParaRPr lang="en-US" dirty="0"/>
           </a:p>
@@ -8973,7 +8979,7 @@
           <a:noFill/>
           <a:extLst>
             <a:ext uri="{909E8E84-426E-40dd-AFC4-6F175D3DCCD1}">
-              <a14:hiddenFill xmlns:a14="http://schemas.microsoft.com/office/drawing/2010/main" xmlns="">
+              <a14:hiddenFill xmlns="" xmlns:a14="http://schemas.microsoft.com/office/drawing/2010/main">
                 <a:solidFill>
                   <a:srgbClr val="FFFFFF"/>
                 </a:solidFill>
@@ -9047,7 +9053,7 @@
               </a:ln>
               <a:extLst>
                 <a:ext uri="{91240B29-F687-4f45-9708-019B960494DF}">
-                  <a14:hiddenLine xmlns:a14="http://schemas.microsoft.com/office/drawing/2010/main" xmlns="" w="9525">
+                  <a14:hiddenLine xmlns="" xmlns:a14="http://schemas.microsoft.com/office/drawing/2010/main" w="9525">
                     <a:solidFill>
                       <a:srgbClr val="000000"/>
                     </a:solidFill>
@@ -9137,7 +9143,7 @@
               </a:ln>
               <a:extLst>
                 <a:ext uri="{91240B29-F687-4f45-9708-019B960494DF}">
-                  <a14:hiddenLine xmlns:a14="http://schemas.microsoft.com/office/drawing/2010/main" xmlns="" w="9525">
+                  <a14:hiddenLine xmlns="" xmlns:a14="http://schemas.microsoft.com/office/drawing/2010/main" w="9525">
                     <a:solidFill>
                       <a:srgbClr val="000000"/>
                     </a:solidFill>
@@ -9227,7 +9233,7 @@
               </a:ln>
               <a:extLst>
                 <a:ext uri="{91240B29-F687-4f45-9708-019B960494DF}">
-                  <a14:hiddenLine xmlns:a14="http://schemas.microsoft.com/office/drawing/2010/main" xmlns="" w="9525">
+                  <a14:hiddenLine xmlns="" xmlns:a14="http://schemas.microsoft.com/office/drawing/2010/main" w="9525">
                     <a:solidFill>
                       <a:srgbClr val="000000"/>
                     </a:solidFill>
@@ -9289,7 +9295,7 @@
               </a:ln>
               <a:extLst>
                 <a:ext uri="{91240B29-F687-4f45-9708-019B960494DF}">
-                  <a14:hiddenLine xmlns:a14="http://schemas.microsoft.com/office/drawing/2010/main" xmlns="" w="9525">
+                  <a14:hiddenLine xmlns="" xmlns:a14="http://schemas.microsoft.com/office/drawing/2010/main" w="9525">
                     <a:solidFill>
                       <a:srgbClr val="000000"/>
                     </a:solidFill>
@@ -9379,7 +9385,7 @@
               </a:ln>
               <a:extLst>
                 <a:ext uri="{91240B29-F687-4f45-9708-019B960494DF}">
-                  <a14:hiddenLine xmlns:a14="http://schemas.microsoft.com/office/drawing/2010/main" xmlns="" w="9525">
+                  <a14:hiddenLine xmlns="" xmlns:a14="http://schemas.microsoft.com/office/drawing/2010/main" w="9525">
                     <a:solidFill>
                       <a:srgbClr val="000000"/>
                     </a:solidFill>
@@ -9441,7 +9447,7 @@
               </a:ln>
               <a:extLst>
                 <a:ext uri="{91240B29-F687-4f45-9708-019B960494DF}">
-                  <a14:hiddenLine xmlns:a14="http://schemas.microsoft.com/office/drawing/2010/main" xmlns="" w="9525">
+                  <a14:hiddenLine xmlns="" xmlns:a14="http://schemas.microsoft.com/office/drawing/2010/main" w="9525">
                     <a:solidFill>
                       <a:srgbClr val="000000"/>
                     </a:solidFill>
@@ -9503,7 +9509,7 @@
               </a:ln>
               <a:extLst>
                 <a:ext uri="{91240B29-F687-4f45-9708-019B960494DF}">
-                  <a14:hiddenLine xmlns:a14="http://schemas.microsoft.com/office/drawing/2010/main" xmlns="" w="9525">
+                  <a14:hiddenLine xmlns="" xmlns:a14="http://schemas.microsoft.com/office/drawing/2010/main" w="9525">
                     <a:solidFill>
                       <a:srgbClr val="000000"/>
                     </a:solidFill>
@@ -9593,7 +9599,7 @@
               </a:ln>
               <a:extLst>
                 <a:ext uri="{91240B29-F687-4f45-9708-019B960494DF}">
-                  <a14:hiddenLine xmlns:a14="http://schemas.microsoft.com/office/drawing/2010/main" xmlns="" w="9525">
+                  <a14:hiddenLine xmlns="" xmlns:a14="http://schemas.microsoft.com/office/drawing/2010/main" w="9525">
                     <a:solidFill>
                       <a:srgbClr val="000000"/>
                     </a:solidFill>
@@ -9683,7 +9689,7 @@
               </a:ln>
               <a:extLst>
                 <a:ext uri="{91240B29-F687-4f45-9708-019B960494DF}">
-                  <a14:hiddenLine xmlns:a14="http://schemas.microsoft.com/office/drawing/2010/main" xmlns="" w="9525">
+                  <a14:hiddenLine xmlns="" xmlns:a14="http://schemas.microsoft.com/office/drawing/2010/main" w="9525">
                     <a:solidFill>
                       <a:srgbClr val="000000"/>
                     </a:solidFill>
@@ -9745,7 +9751,7 @@
               </a:ln>
               <a:extLst>
                 <a:ext uri="{91240B29-F687-4f45-9708-019B960494DF}">
-                  <a14:hiddenLine xmlns:a14="http://schemas.microsoft.com/office/drawing/2010/main" xmlns="" w="9525">
+                  <a14:hiddenLine xmlns="" xmlns:a14="http://schemas.microsoft.com/office/drawing/2010/main" w="9525">
                     <a:solidFill>
                       <a:srgbClr val="000000"/>
                     </a:solidFill>
@@ -9855,7 +9861,7 @@
               </a:ln>
               <a:extLst>
                 <a:ext uri="{91240B29-F687-4f45-9708-019B960494DF}">
-                  <a14:hiddenLine xmlns:a14="http://schemas.microsoft.com/office/drawing/2010/main" xmlns="" w="9525">
+                  <a14:hiddenLine xmlns="" xmlns:a14="http://schemas.microsoft.com/office/drawing/2010/main" w="9525">
                     <a:solidFill>
                       <a:srgbClr val="000000"/>
                     </a:solidFill>
@@ -9939,7 +9945,7 @@
               </a:ln>
               <a:extLst>
                 <a:ext uri="{91240B29-F687-4f45-9708-019B960494DF}">
-                  <a14:hiddenLine xmlns:a14="http://schemas.microsoft.com/office/drawing/2010/main" xmlns="" w="9525">
+                  <a14:hiddenLine xmlns="" xmlns:a14="http://schemas.microsoft.com/office/drawing/2010/main" w="9525">
                     <a:solidFill>
                       <a:srgbClr val="000000"/>
                     </a:solidFill>
@@ -10001,7 +10007,7 @@
               </a:ln>
               <a:extLst>
                 <a:ext uri="{91240B29-F687-4f45-9708-019B960494DF}">
-                  <a14:hiddenLine xmlns:a14="http://schemas.microsoft.com/office/drawing/2010/main" xmlns="" w="9525">
+                  <a14:hiddenLine xmlns="" xmlns:a14="http://schemas.microsoft.com/office/drawing/2010/main" w="9525">
                     <a:solidFill>
                       <a:srgbClr val="000000"/>
                     </a:solidFill>
@@ -10063,7 +10069,7 @@
               </a:ln>
               <a:extLst>
                 <a:ext uri="{91240B29-F687-4f45-9708-019B960494DF}">
-                  <a14:hiddenLine xmlns:a14="http://schemas.microsoft.com/office/drawing/2010/main" xmlns="" w="9525">
+                  <a14:hiddenLine xmlns="" xmlns:a14="http://schemas.microsoft.com/office/drawing/2010/main" w="9525">
                     <a:solidFill>
                       <a:srgbClr val="000000"/>
                     </a:solidFill>
@@ -10153,7 +10159,7 @@
               </a:ln>
               <a:extLst>
                 <a:ext uri="{91240B29-F687-4f45-9708-019B960494DF}">
-                  <a14:hiddenLine xmlns:a14="http://schemas.microsoft.com/office/drawing/2010/main" xmlns="" w="9525">
+                  <a14:hiddenLine xmlns="" xmlns:a14="http://schemas.microsoft.com/office/drawing/2010/main" w="9525">
                     <a:solidFill>
                       <a:srgbClr val="000000"/>
                     </a:solidFill>
@@ -10187,7 +10193,7 @@
               </a:ln>
               <a:extLst>
                 <a:ext uri="{91240B29-F687-4f45-9708-019B960494DF}">
-                  <a14:hiddenLine xmlns:a14="http://schemas.microsoft.com/office/drawing/2010/main" xmlns="" w="9525">
+                  <a14:hiddenLine xmlns="" xmlns:a14="http://schemas.microsoft.com/office/drawing/2010/main" w="9525">
                     <a:solidFill>
                       <a:srgbClr val="000000"/>
                     </a:solidFill>
@@ -10252,7 +10258,7 @@
               </a:ln>
               <a:extLst>
                 <a:ext uri="{91240B29-F687-4f45-9708-019B960494DF}">
-                  <a14:hiddenLine xmlns:a14="http://schemas.microsoft.com/office/drawing/2010/main" xmlns="" w="9525">
+                  <a14:hiddenLine xmlns="" xmlns:a14="http://schemas.microsoft.com/office/drawing/2010/main" w="9525">
                     <a:solidFill>
                       <a:srgbClr val="000000"/>
                     </a:solidFill>
@@ -10342,7 +10348,7 @@
               </a:ln>
               <a:extLst>
                 <a:ext uri="{91240B29-F687-4f45-9708-019B960494DF}">
-                  <a14:hiddenLine xmlns:a14="http://schemas.microsoft.com/office/drawing/2010/main" xmlns="" w="9525">
+                  <a14:hiddenLine xmlns="" xmlns:a14="http://schemas.microsoft.com/office/drawing/2010/main" w="9525">
                     <a:solidFill>
                       <a:srgbClr val="000000"/>
                     </a:solidFill>
@@ -10404,7 +10410,7 @@
               </a:ln>
               <a:extLst>
                 <a:ext uri="{91240B29-F687-4f45-9708-019B960494DF}">
-                  <a14:hiddenLine xmlns:a14="http://schemas.microsoft.com/office/drawing/2010/main" xmlns="" w="9525">
+                  <a14:hiddenLine xmlns="" xmlns:a14="http://schemas.microsoft.com/office/drawing/2010/main" w="9525">
                     <a:solidFill>
                       <a:srgbClr val="000000"/>
                     </a:solidFill>
@@ -10494,7 +10500,7 @@
               </a:ln>
               <a:extLst>
                 <a:ext uri="{91240B29-F687-4f45-9708-019B960494DF}">
-                  <a14:hiddenLine xmlns:a14="http://schemas.microsoft.com/office/drawing/2010/main" xmlns="" w="9525">
+                  <a14:hiddenLine xmlns="" xmlns:a14="http://schemas.microsoft.com/office/drawing/2010/main" w="9525">
                     <a:solidFill>
                       <a:srgbClr val="000000"/>
                     </a:solidFill>
@@ -10559,7 +10565,7 @@
               </a:ln>
               <a:extLst>
                 <a:ext uri="{91240B29-F687-4f45-9708-019B960494DF}">
-                  <a14:hiddenLine xmlns:a14="http://schemas.microsoft.com/office/drawing/2010/main" xmlns="" w="9525">
+                  <a14:hiddenLine xmlns="" xmlns:a14="http://schemas.microsoft.com/office/drawing/2010/main" w="9525">
                     <a:solidFill>
                       <a:srgbClr val="000000"/>
                     </a:solidFill>
@@ -10621,7 +10627,7 @@
               </a:ln>
               <a:extLst>
                 <a:ext uri="{91240B29-F687-4f45-9708-019B960494DF}">
-                  <a14:hiddenLine xmlns:a14="http://schemas.microsoft.com/office/drawing/2010/main" xmlns="" w="9525">
+                  <a14:hiddenLine xmlns="" xmlns:a14="http://schemas.microsoft.com/office/drawing/2010/main" w="9525">
                     <a:solidFill>
                       <a:srgbClr val="000000"/>
                     </a:solidFill>
@@ -10711,7 +10717,7 @@
               </a:ln>
               <a:extLst>
                 <a:ext uri="{91240B29-F687-4f45-9708-019B960494DF}">
-                  <a14:hiddenLine xmlns:a14="http://schemas.microsoft.com/office/drawing/2010/main" xmlns="" w="9525">
+                  <a14:hiddenLine xmlns="" xmlns:a14="http://schemas.microsoft.com/office/drawing/2010/main" w="9525">
                     <a:solidFill>
                       <a:srgbClr val="000000"/>
                     </a:solidFill>
@@ -10801,7 +10807,7 @@
               </a:ln>
               <a:extLst>
                 <a:ext uri="{91240B29-F687-4f45-9708-019B960494DF}">
-                  <a14:hiddenLine xmlns:a14="http://schemas.microsoft.com/office/drawing/2010/main" xmlns="" w="9525">
+                  <a14:hiddenLine xmlns="" xmlns:a14="http://schemas.microsoft.com/office/drawing/2010/main" w="9525">
                     <a:solidFill>
                       <a:srgbClr val="000000"/>
                     </a:solidFill>
@@ -10866,7 +10872,7 @@
               </a:ln>
               <a:extLst>
                 <a:ext uri="{91240B29-F687-4f45-9708-019B960494DF}">
-                  <a14:hiddenLine xmlns:a14="http://schemas.microsoft.com/office/drawing/2010/main" xmlns="" w="9525">
+                  <a14:hiddenLine xmlns="" xmlns:a14="http://schemas.microsoft.com/office/drawing/2010/main" w="9525">
                     <a:solidFill>
                       <a:srgbClr val="000000"/>
                     </a:solidFill>
@@ -10986,7 +10992,7 @@
               </a:ln>
               <a:extLst>
                 <a:ext uri="{91240B29-F687-4f45-9708-019B960494DF}">
-                  <a14:hiddenLine xmlns:a14="http://schemas.microsoft.com/office/drawing/2010/main" xmlns="" w="9525">
+                  <a14:hiddenLine xmlns="" xmlns:a14="http://schemas.microsoft.com/office/drawing/2010/main" w="9525">
                     <a:solidFill>
                       <a:srgbClr val="000000"/>
                     </a:solidFill>
@@ -11084,7 +11090,7 @@
               </a:ln>
               <a:extLst>
                 <a:ext uri="{91240B29-F687-4f45-9708-019B960494DF}">
-                  <a14:hiddenLine xmlns:a14="http://schemas.microsoft.com/office/drawing/2010/main" xmlns="" w="9525">
+                  <a14:hiddenLine xmlns="" xmlns:a14="http://schemas.microsoft.com/office/drawing/2010/main" w="9525">
                     <a:solidFill>
                       <a:srgbClr val="000000"/>
                     </a:solidFill>
@@ -11199,7 +11205,7 @@
               </a:ln>
               <a:extLst>
                 <a:ext uri="{91240B29-F687-4f45-9708-019B960494DF}">
-                  <a14:hiddenLine xmlns:a14="http://schemas.microsoft.com/office/drawing/2010/main" xmlns="" w="9525">
+                  <a14:hiddenLine xmlns="" xmlns:a14="http://schemas.microsoft.com/office/drawing/2010/main" w="9525">
                     <a:solidFill>
                       <a:srgbClr val="000000"/>
                     </a:solidFill>
@@ -11289,7 +11295,7 @@
               </a:ln>
               <a:extLst>
                 <a:ext uri="{91240B29-F687-4f45-9708-019B960494DF}">
-                  <a14:hiddenLine xmlns:a14="http://schemas.microsoft.com/office/drawing/2010/main" xmlns="" w="9525">
+                  <a14:hiddenLine xmlns="" xmlns:a14="http://schemas.microsoft.com/office/drawing/2010/main" w="9525">
                     <a:solidFill>
                       <a:srgbClr val="000000"/>
                     </a:solidFill>
@@ -11354,7 +11360,7 @@
               </a:ln>
               <a:extLst>
                 <a:ext uri="{91240B29-F687-4f45-9708-019B960494DF}">
-                  <a14:hiddenLine xmlns:a14="http://schemas.microsoft.com/office/drawing/2010/main" xmlns="" w="9525">
+                  <a14:hiddenLine xmlns="" xmlns:a14="http://schemas.microsoft.com/office/drawing/2010/main" w="9525">
                     <a:solidFill>
                       <a:srgbClr val="000000"/>
                     </a:solidFill>
@@ -11444,7 +11450,7 @@
               </a:ln>
               <a:extLst>
                 <a:ext uri="{91240B29-F687-4f45-9708-019B960494DF}">
-                  <a14:hiddenLine xmlns:a14="http://schemas.microsoft.com/office/drawing/2010/main" xmlns="" w="9525">
+                  <a14:hiddenLine xmlns="" xmlns:a14="http://schemas.microsoft.com/office/drawing/2010/main" w="9525">
                     <a:solidFill>
                       <a:srgbClr val="000000"/>
                     </a:solidFill>
@@ -11512,7 +11518,7 @@
               </a:ln>
               <a:extLst>
                 <a:ext uri="{91240B29-F687-4f45-9708-019B960494DF}">
-                  <a14:hiddenLine xmlns:a14="http://schemas.microsoft.com/office/drawing/2010/main" xmlns="" w="9525">
+                  <a14:hiddenLine xmlns="" xmlns:a14="http://schemas.microsoft.com/office/drawing/2010/main" w="9525">
                     <a:solidFill>
                       <a:srgbClr val="000000"/>
                     </a:solidFill>
@@ -11602,7 +11608,7 @@
               </a:ln>
               <a:extLst>
                 <a:ext uri="{91240B29-F687-4f45-9708-019B960494DF}">
-                  <a14:hiddenLine xmlns:a14="http://schemas.microsoft.com/office/drawing/2010/main" xmlns="" w="9525">
+                  <a14:hiddenLine xmlns="" xmlns:a14="http://schemas.microsoft.com/office/drawing/2010/main" w="9525">
                     <a:solidFill>
                       <a:srgbClr val="000000"/>
                     </a:solidFill>
@@ -11670,7 +11676,7 @@
               </a:ln>
               <a:extLst>
                 <a:ext uri="{91240B29-F687-4f45-9708-019B960494DF}">
-                  <a14:hiddenLine xmlns:a14="http://schemas.microsoft.com/office/drawing/2010/main" xmlns="" w="9525">
+                  <a14:hiddenLine xmlns="" xmlns:a14="http://schemas.microsoft.com/office/drawing/2010/main" w="9525">
                     <a:solidFill>
                       <a:srgbClr val="000000"/>
                     </a:solidFill>
@@ -11760,7 +11766,7 @@
               </a:ln>
               <a:extLst>
                 <a:ext uri="{91240B29-F687-4f45-9708-019B960494DF}">
-                  <a14:hiddenLine xmlns:a14="http://schemas.microsoft.com/office/drawing/2010/main" xmlns="" w="9525">
+                  <a14:hiddenLine xmlns="" xmlns:a14="http://schemas.microsoft.com/office/drawing/2010/main" w="9525">
                     <a:solidFill>
                       <a:srgbClr val="000000"/>
                     </a:solidFill>
@@ -11794,7 +11800,7 @@
               </a:ln>
               <a:extLst>
                 <a:ext uri="{91240B29-F687-4f45-9708-019B960494DF}">
-                  <a14:hiddenLine xmlns:a14="http://schemas.microsoft.com/office/drawing/2010/main" xmlns="" w="9525">
+                  <a14:hiddenLine xmlns="" xmlns:a14="http://schemas.microsoft.com/office/drawing/2010/main" w="9525">
                     <a:solidFill>
                       <a:srgbClr val="000000"/>
                     </a:solidFill>
@@ -11935,7 +11941,7 @@
             <a:fld id="{48A87A34-81AB-432B-8DAE-1953F412C126}" type="datetimeFigureOut">
               <a:rPr lang="en-US" dirty="0"/>
               <a:pPr/>
-              <a:t>6/27/2019</a:t>
+              <a:t>7/4/2019</a:t>
             </a:fld>
             <a:endParaRPr lang="en-US" dirty="0"/>
           </a:p>
@@ -12476,6 +12482,182 @@
 </p:sld>
 </file>
 
+<file path=ppt/slides/slide10.xml><?xml version="1.0" encoding="utf-8"?>
+<p:sld xmlns:a="http://schemas.openxmlformats.org/drawingml/2006/main" xmlns:r="http://schemas.openxmlformats.org/officeDocument/2006/relationships" xmlns:p="http://schemas.openxmlformats.org/presentationml/2006/main">
+  <p:cSld>
+    <p:spTree>
+      <p:nvGrpSpPr>
+        <p:cNvPr id="1" name=""/>
+        <p:cNvGrpSpPr/>
+        <p:nvPr/>
+      </p:nvGrpSpPr>
+      <p:grpSpPr>
+        <a:xfrm>
+          <a:off x="0" y="0"/>
+          <a:ext cx="0" cy="0"/>
+          <a:chOff x="0" y="0"/>
+          <a:chExt cx="0" cy="0"/>
+        </a:xfrm>
+      </p:grpSpPr>
+      <p:sp>
+        <p:nvSpPr>
+          <p:cNvPr id="2" name="Title 1">
+            <a:extLst>
+              <a:ext uri="{FF2B5EF4-FFF2-40B4-BE49-F238E27FC236}">
+                <a16:creationId xmlns:a16="http://schemas.microsoft.com/office/drawing/2014/main" id="{13A053AF-7C2C-4F03-B20C-E763F2EDDB3C}"/>
+              </a:ext>
+            </a:extLst>
+          </p:cNvPr>
+          <p:cNvSpPr>
+            <a:spLocks noGrp="1"/>
+          </p:cNvSpPr>
+          <p:nvPr>
+            <p:ph type="title"/>
+          </p:nvPr>
+        </p:nvSpPr>
+        <p:spPr/>
+        <p:txBody>
+          <a:bodyPr>
+            <a:normAutofit fontScale="90000"/>
+          </a:bodyPr>
+          <a:lstStyle/>
+          <a:p>
+            <a:r>
+              <a:rPr lang="en-US" dirty="0"/>
+              <a:t>Conclusion and directions for future</a:t>
+            </a:r>
+            <a:br>
+              <a:rPr lang="en-US" dirty="0"/>
+            </a:br>
+            <a:r>
+              <a:rPr lang="en-US" dirty="0"/>
+              <a:t>development</a:t>
+            </a:r>
+            <a:br>
+              <a:rPr lang="en-US" dirty="0"/>
+            </a:br>
+            <a:endParaRPr lang="en-US" dirty="0"/>
+          </a:p>
+        </p:txBody>
+      </p:sp>
+      <p:sp>
+        <p:nvSpPr>
+          <p:cNvPr id="3" name="Content Placeholder 2">
+            <a:extLst>
+              <a:ext uri="{FF2B5EF4-FFF2-40B4-BE49-F238E27FC236}">
+                <a16:creationId xmlns:a16="http://schemas.microsoft.com/office/drawing/2014/main" id="{1E6FD327-AF21-4125-95F2-6DE46DC43F4E}"/>
+              </a:ext>
+            </a:extLst>
+          </p:cNvPr>
+          <p:cNvSpPr>
+            <a:spLocks noGrp="1"/>
+          </p:cNvSpPr>
+          <p:nvPr>
+            <p:ph idx="1"/>
+          </p:nvPr>
+        </p:nvSpPr>
+        <p:spPr>
+          <a:xfrm>
+            <a:off x="701336" y="1624614"/>
+            <a:ext cx="10346075" cy="4785064"/>
+          </a:xfrm>
+        </p:spPr>
+        <p:txBody>
+          <a:bodyPr>
+            <a:normAutofit fontScale="85000" lnSpcReduction="10000"/>
+          </a:bodyPr>
+          <a:lstStyle/>
+          <a:p>
+            <a:pPr marL="0" indent="0">
+              <a:buNone/>
+            </a:pPr>
+            <a:r>
+              <a:rPr lang="en-US" dirty="0"/>
+              <a:t>What I would like to improve:</a:t>
+            </a:r>
+          </a:p>
+          <a:p>
+            <a:pPr marL="457200" indent="-457200">
+              <a:buAutoNum type="arabicPeriod"/>
+            </a:pPr>
+            <a:r>
+              <a:rPr lang="en-US" dirty="0"/>
+              <a:t>An improvement which I find it absolutely necessary is the  security of the password. In order to make the security more stronger I will add a  cyclic redundancy check function.  </a:t>
+            </a:r>
+          </a:p>
+          <a:p>
+            <a:pPr marL="457200" indent="-457200">
+              <a:buAutoNum type="arabicPeriod"/>
+            </a:pPr>
+            <a:r>
+              <a:rPr lang="en-US" dirty="0"/>
+              <a:t> Another improvement would be for the situations were the </a:t>
+            </a:r>
+            <a:r>
+              <a:rPr lang="en-US" dirty="0" err="1"/>
+              <a:t>WiFi</a:t>
+            </a:r>
+            <a:r>
+              <a:rPr lang="en-US" dirty="0"/>
+              <a:t> module has an error due to any reason, the email option should be sent disabled by default. </a:t>
+            </a:r>
+          </a:p>
+          <a:p>
+            <a:pPr marL="457200" indent="-457200">
+              <a:buAutoNum type="arabicPeriod"/>
+            </a:pPr>
+            <a:endParaRPr lang="en-US" dirty="0"/>
+          </a:p>
+          <a:p>
+            <a:pPr marL="0" indent="0">
+              <a:buNone/>
+            </a:pPr>
+            <a:r>
+              <a:rPr lang="en-US" dirty="0"/>
+              <a:t>What I would like to add:</a:t>
+            </a:r>
+          </a:p>
+          <a:p>
+            <a:pPr marL="457200" indent="-457200">
+              <a:buAutoNum type="arabicPeriod"/>
+            </a:pPr>
+            <a:r>
+              <a:rPr lang="en-US" dirty="0"/>
+              <a:t>To add manually at which address I would like to send the PIN for the 2 step verification. At the moment the email address and password are hard-coded. This would be useful when is it needed to be used this smart key lock by the multiple family members. </a:t>
+            </a:r>
+          </a:p>
+          <a:p>
+            <a:pPr marL="457200" indent="-457200">
+              <a:buAutoNum type="arabicPeriod"/>
+            </a:pPr>
+            <a:r>
+              <a:rPr lang="en-US" dirty="0"/>
+              <a:t> To add a reset function to the </a:t>
+            </a:r>
+            <a:r>
+              <a:rPr lang="en-US" dirty="0" err="1"/>
+              <a:t>WiFi</a:t>
+            </a:r>
+            <a:r>
+              <a:rPr lang="en-US" dirty="0"/>
+              <a:t> module. </a:t>
+            </a:r>
+          </a:p>
+        </p:txBody>
+      </p:sp>
+    </p:spTree>
+    <p:extLst>
+      <p:ext uri="{BB962C8B-B14F-4D97-AF65-F5344CB8AC3E}">
+        <p14:creationId xmlns:p14="http://schemas.microsoft.com/office/powerpoint/2010/main" val="1369975230"/>
+      </p:ext>
+    </p:extLst>
+  </p:cSld>
+  <p:clrMapOvr>
+    <a:masterClrMapping/>
+  </p:clrMapOvr>
+</p:sld>
+</file>
+
 <file path=ppt/slides/slide2.xml><?xml version="1.0" encoding="utf-8"?>
 <p:sld xmlns:a="http://schemas.openxmlformats.org/drawingml/2006/main" xmlns:r="http://schemas.openxmlformats.org/officeDocument/2006/relationships" xmlns:p="http://schemas.openxmlformats.org/presentationml/2006/main">
   <p:cSld>
@@ -12537,12 +12719,22 @@
             <p:ph idx="1"/>
           </p:nvPr>
         </p:nvSpPr>
-        <p:spPr/>
+        <p:spPr>
+          <a:xfrm>
+            <a:off x="1221311" y="2097088"/>
+            <a:ext cx="9905999" cy="3541714"/>
+          </a:xfrm>
+        </p:spPr>
         <p:txBody>
-          <a:bodyPr/>
+          <a:bodyPr>
+            <a:normAutofit fontScale="85000" lnSpcReduction="20000"/>
+          </a:bodyPr>
           <a:lstStyle/>
           <a:p>
-            <a:endParaRPr lang="en-US"/>
+            <a:r>
+              <a:rPr lang="en-US" dirty="0"/>
+              <a:t>A few years ago I had this English class were our teacher had this lesson about Smart houses. I was really fascinated about how you actually can make your house alive. In other words my curiosity about Artificial Intelligence started since then and that's why I have started to pay more attention to all courses which had something in common with this subject. During the college I didn't had the right opportunity to put everything I have learned together and somehow my dream to build something similar was put on hold. With some luck, last year an old dream of mine got fulfilled and I moved into a house with small garden. In other words now I had my house, but not a smart one so, I thought if a really old dream came true why shouldn't I continue with the other dream? Because I am not really close to the city, I thought that one of the best first project which I should start should be a Smart Lock Key. This idea would be great first of all for protection and also a great start to make my house alive.</a:t>
+            </a:r>
           </a:p>
         </p:txBody>
       </p:sp>
@@ -12599,7 +12791,7 @@
           <a:p>
             <a:r>
               <a:rPr lang="en-US" dirty="0"/>
-              <a:t>Short presentation of project idea</a:t>
+              <a:t>Contribution +  what others DID</a:t>
             </a:r>
           </a:p>
         </p:txBody>
@@ -12625,7 +12817,31 @@
           <a:bodyPr/>
           <a:lstStyle/>
           <a:p>
-            <a:endParaRPr lang="en-US"/>
+            <a:r>
+              <a:rPr lang="en-US" dirty="0"/>
+              <a:t>Combine the code pin with the email as a 2 step verification</a:t>
+            </a:r>
+          </a:p>
+          <a:p>
+            <a:r>
+              <a:rPr lang="en-US" dirty="0"/>
+              <a:t>Writing my own code from 0 </a:t>
+            </a:r>
+          </a:p>
+          <a:p>
+            <a:r>
+              <a:rPr lang="en-US" dirty="0"/>
+              <a:t>The logic implementation </a:t>
+            </a:r>
+          </a:p>
+          <a:p>
+            <a:endParaRPr lang="en-US" dirty="0"/>
+          </a:p>
+          <a:p>
+            <a:r>
+              <a:rPr lang="en-US" dirty="0"/>
+              <a:t>Other key lockers use all kinds of identification as a single step verification(ex : finger print, pin code, card, phone)</a:t>
+            </a:r>
           </a:p>
         </p:txBody>
       </p:sp>
@@ -12684,7 +12900,7 @@
           <a:p>
             <a:r>
               <a:rPr lang="en-US" dirty="0"/>
-              <a:t>Presentation of software technologies</a:t>
+              <a:t>Application structure</a:t>
             </a:r>
             <a:br>
               <a:rPr lang="en-US" dirty="0"/>
@@ -12693,31 +12909,35 @@
           </a:p>
         </p:txBody>
       </p:sp>
-      <p:sp>
-        <p:nvSpPr>
-          <p:cNvPr id="3" name="Content Placeholder 2">
+      <p:pic>
+        <p:nvPicPr>
+          <p:cNvPr id="5" name="Content Placeholder 4">
             <a:extLst>
               <a:ext uri="{FF2B5EF4-FFF2-40B4-BE49-F238E27FC236}">
-                <a16:creationId xmlns:a16="http://schemas.microsoft.com/office/drawing/2014/main" id="{3AF6CEBA-87DF-441F-A11A-0E8E8630EE02}"/>
+                <a16:creationId xmlns:a16="http://schemas.microsoft.com/office/drawing/2014/main" id="{0B66F047-A946-4DF8-908C-5D0A5B757A87}"/>
               </a:ext>
             </a:extLst>
           </p:cNvPr>
-          <p:cNvSpPr>
-            <a:spLocks noGrp="1"/>
-          </p:cNvSpPr>
+          <p:cNvPicPr>
+            <a:picLocks noGrp="1" noChangeAspect="1"/>
+          </p:cNvPicPr>
           <p:nvPr>
             <p:ph idx="1"/>
           </p:nvPr>
-        </p:nvSpPr>
-        <p:spPr/>
-        <p:txBody>
-          <a:bodyPr/>
-          <a:lstStyle/>
-          <a:p>
-            <a:endParaRPr lang="en-US"/>
-          </a:p>
-        </p:txBody>
-      </p:sp>
+        </p:nvPicPr>
+        <p:blipFill>
+          <a:blip r:embed="rId2"/>
+          <a:stretch>
+            <a:fillRect/>
+          </a:stretch>
+        </p:blipFill>
+        <p:spPr>
+          <a:xfrm>
+            <a:off x="285750" y="1496373"/>
+            <a:ext cx="11468100" cy="5188169"/>
+          </a:xfrm>
+        </p:spPr>
+      </p:pic>
     </p:spTree>
     <p:extLst>
       <p:ext uri="{BB962C8B-B14F-4D97-AF65-F5344CB8AC3E}">
@@ -12732,6 +12952,100 @@
 </file>
 
 <file path=ppt/slides/slide5.xml><?xml version="1.0" encoding="utf-8"?>
+<p:sld xmlns:a="http://schemas.openxmlformats.org/drawingml/2006/main" xmlns:r="http://schemas.openxmlformats.org/officeDocument/2006/relationships" xmlns:p="http://schemas.openxmlformats.org/presentationml/2006/main">
+  <p:cSld>
+    <p:spTree>
+      <p:nvGrpSpPr>
+        <p:cNvPr id="1" name=""/>
+        <p:cNvGrpSpPr/>
+        <p:nvPr/>
+      </p:nvGrpSpPr>
+      <p:grpSpPr>
+        <a:xfrm>
+          <a:off x="0" y="0"/>
+          <a:ext cx="0" cy="0"/>
+          <a:chOff x="0" y="0"/>
+          <a:chExt cx="0" cy="0"/>
+        </a:xfrm>
+      </p:grpSpPr>
+      <p:sp>
+        <p:nvSpPr>
+          <p:cNvPr id="2" name="Title 1">
+            <a:extLst>
+              <a:ext uri="{FF2B5EF4-FFF2-40B4-BE49-F238E27FC236}">
+                <a16:creationId xmlns:a16="http://schemas.microsoft.com/office/drawing/2014/main" id="{79C91047-6A7D-4592-9BCE-BF7827D9CFEE}"/>
+              </a:ext>
+            </a:extLst>
+          </p:cNvPr>
+          <p:cNvSpPr>
+            <a:spLocks noGrp="1"/>
+          </p:cNvSpPr>
+          <p:nvPr>
+            <p:ph type="title"/>
+          </p:nvPr>
+        </p:nvSpPr>
+        <p:spPr>
+          <a:xfrm>
+            <a:off x="1143001" y="361065"/>
+            <a:ext cx="9905998" cy="1478570"/>
+          </a:xfrm>
+        </p:spPr>
+        <p:txBody>
+          <a:bodyPr>
+            <a:normAutofit/>
+          </a:bodyPr>
+          <a:lstStyle/>
+          <a:p>
+            <a:r>
+              <a:rPr lang="en-US" dirty="0"/>
+              <a:t>Hardware structure</a:t>
+            </a:r>
+          </a:p>
+        </p:txBody>
+      </p:sp>
+      <p:pic>
+        <p:nvPicPr>
+          <p:cNvPr id="15" name="Content Placeholder 14">
+            <a:extLst>
+              <a:ext uri="{FF2B5EF4-FFF2-40B4-BE49-F238E27FC236}">
+                <a16:creationId xmlns:a16="http://schemas.microsoft.com/office/drawing/2014/main" id="{29DFC979-F4B3-4C30-8A73-77A8A92E3D4A}"/>
+              </a:ext>
+            </a:extLst>
+          </p:cNvPr>
+          <p:cNvPicPr>
+            <a:picLocks noGrp="1" noChangeAspect="1"/>
+          </p:cNvPicPr>
+          <p:nvPr>
+            <p:ph idx="1"/>
+          </p:nvPr>
+        </p:nvPicPr>
+        <p:blipFill>
+          <a:blip r:embed="rId2"/>
+          <a:stretch>
+            <a:fillRect/>
+          </a:stretch>
+        </p:blipFill>
+        <p:spPr>
+          <a:xfrm>
+            <a:off x="655005" y="240989"/>
+            <a:ext cx="10264528" cy="6617011"/>
+          </a:xfrm>
+        </p:spPr>
+      </p:pic>
+    </p:spTree>
+    <p:extLst>
+      <p:ext uri="{BB962C8B-B14F-4D97-AF65-F5344CB8AC3E}">
+        <p14:creationId xmlns:p14="http://schemas.microsoft.com/office/powerpoint/2010/main" val="519452326"/>
+      </p:ext>
+    </p:extLst>
+  </p:cSld>
+  <p:clrMapOvr>
+    <a:masterClrMapping/>
+  </p:clrMapOvr>
+</p:sld>
+</file>
+
+<file path=ppt/slides/slide6.xml><?xml version="1.0" encoding="utf-8"?>
 <p:sld xmlns:a="http://schemas.openxmlformats.org/drawingml/2006/main" xmlns:r="http://schemas.openxmlformats.org/officeDocument/2006/relationships" xmlns:p="http://schemas.openxmlformats.org/presentationml/2006/main">
   <p:cSld>
     <p:spTree>
@@ -12771,7 +13085,7 @@
           <a:p>
             <a:r>
               <a:rPr lang="en-US" dirty="0"/>
-              <a:t>Presentation of hardware technologies</a:t>
+              <a:t>How it works?</a:t>
             </a:r>
           </a:p>
         </p:txBody>
@@ -12792,12 +13106,43 @@
             <p:ph idx="1"/>
           </p:nvPr>
         </p:nvSpPr>
-        <p:spPr/>
+        <p:spPr>
+          <a:xfrm>
+            <a:off x="876986" y="2010270"/>
+            <a:ext cx="10434852" cy="3541714"/>
+          </a:xfrm>
+        </p:spPr>
         <p:txBody>
           <a:bodyPr/>
           <a:lstStyle/>
           <a:p>
-            <a:endParaRPr lang="en-US"/>
+            <a:r>
+              <a:rPr lang="en-US" dirty="0"/>
+              <a:t>In order to offer a short overview of my project I will explain from two point of view the project idea.  </a:t>
+            </a:r>
+          </a:p>
+          <a:p>
+            <a:endParaRPr lang="en-US" dirty="0"/>
+          </a:p>
+          <a:p>
+            <a:pPr marL="457200" indent="-457200">
+              <a:buFont typeface="+mj-lt"/>
+              <a:buAutoNum type="arabicPeriod"/>
+            </a:pPr>
+            <a:r>
+              <a:rPr lang="en-US" dirty="0"/>
+              <a:t>A black box overview. What user is seeing and what operation should make with the locker.  </a:t>
+            </a:r>
+          </a:p>
+          <a:p>
+            <a:pPr marL="457200" indent="-457200">
+              <a:buFont typeface="+mj-lt"/>
+              <a:buAutoNum type="arabicPeriod"/>
+            </a:pPr>
+            <a:r>
+              <a:rPr lang="en-US" dirty="0"/>
+              <a:t> A white box overview. This is regarding what is inside the code, what each class stands for.</a:t>
+            </a:r>
           </a:p>
         </p:txBody>
       </p:sp>
@@ -12814,7 +13159,7 @@
 </p:sld>
 </file>
 
-<file path=ppt/slides/slide6.xml><?xml version="1.0" encoding="utf-8"?>
+<file path=ppt/slides/slide7.xml><?xml version="1.0" encoding="utf-8"?>
 <p:sld xmlns:a="http://schemas.openxmlformats.org/drawingml/2006/main" xmlns:r="http://schemas.openxmlformats.org/officeDocument/2006/relationships" xmlns:p="http://schemas.openxmlformats.org/presentationml/2006/main">
   <p:cSld>
     <p:spTree>
@@ -12847,40 +13192,20 @@
             <p:ph type="title"/>
           </p:nvPr>
         </p:nvSpPr>
-        <p:spPr/>
+        <p:spPr>
+          <a:xfrm>
+            <a:off x="4958811" y="2340786"/>
+            <a:ext cx="3767938" cy="1478570"/>
+          </a:xfrm>
+        </p:spPr>
         <p:txBody>
           <a:bodyPr/>
           <a:lstStyle/>
           <a:p>
             <a:r>
               <a:rPr lang="en-US" dirty="0"/>
-              <a:t>Application software architecture</a:t>
-            </a:r>
-          </a:p>
-        </p:txBody>
-      </p:sp>
-      <p:sp>
-        <p:nvSpPr>
-          <p:cNvPr id="3" name="Content Placeholder 2">
-            <a:extLst>
-              <a:ext uri="{FF2B5EF4-FFF2-40B4-BE49-F238E27FC236}">
-                <a16:creationId xmlns:a16="http://schemas.microsoft.com/office/drawing/2014/main" id="{CB153A39-F841-4CA0-88B8-93D510E90191}"/>
-              </a:ext>
-            </a:extLst>
-          </p:cNvPr>
-          <p:cNvSpPr>
-            <a:spLocks noGrp="1"/>
-          </p:cNvSpPr>
-          <p:nvPr>
-            <p:ph idx="1"/>
-          </p:nvPr>
-        </p:nvSpPr>
-        <p:spPr/>
-        <p:txBody>
-          <a:bodyPr/>
-          <a:lstStyle/>
-          <a:p>
-            <a:endParaRPr lang="en-US"/>
+              <a:t>DEMO</a:t>
+            </a:r>
           </a:p>
         </p:txBody>
       </p:sp>
@@ -12888,102 +13213,6 @@
     <p:extLst>
       <p:ext uri="{BB962C8B-B14F-4D97-AF65-F5344CB8AC3E}">
         <p14:creationId xmlns:p14="http://schemas.microsoft.com/office/powerpoint/2010/main" val="1319100936"/>
-      </p:ext>
-    </p:extLst>
-  </p:cSld>
-  <p:clrMapOvr>
-    <a:masterClrMapping/>
-  </p:clrMapOvr>
-</p:sld>
-</file>
-
-<file path=ppt/slides/slide7.xml><?xml version="1.0" encoding="utf-8"?>
-<p:sld xmlns:a="http://schemas.openxmlformats.org/drawingml/2006/main" xmlns:r="http://schemas.openxmlformats.org/officeDocument/2006/relationships" xmlns:p="http://schemas.openxmlformats.org/presentationml/2006/main">
-  <p:cSld>
-    <p:spTree>
-      <p:nvGrpSpPr>
-        <p:cNvPr id="1" name=""/>
-        <p:cNvGrpSpPr/>
-        <p:nvPr/>
-      </p:nvGrpSpPr>
-      <p:grpSpPr>
-        <a:xfrm>
-          <a:off x="0" y="0"/>
-          <a:ext cx="0" cy="0"/>
-          <a:chOff x="0" y="0"/>
-          <a:chExt cx="0" cy="0"/>
-        </a:xfrm>
-      </p:grpSpPr>
-      <p:sp>
-        <p:nvSpPr>
-          <p:cNvPr id="2" name="Title 1">
-            <a:extLst>
-              <a:ext uri="{FF2B5EF4-FFF2-40B4-BE49-F238E27FC236}">
-                <a16:creationId xmlns:a16="http://schemas.microsoft.com/office/drawing/2014/main" id="{C2C1D713-7EAE-4AAC-A33C-96D98DA31BE6}"/>
-              </a:ext>
-            </a:extLst>
-          </p:cNvPr>
-          <p:cNvSpPr>
-            <a:spLocks noGrp="1"/>
-          </p:cNvSpPr>
-          <p:nvPr>
-            <p:ph type="title"/>
-          </p:nvPr>
-        </p:nvSpPr>
-        <p:spPr/>
-        <p:txBody>
-          <a:bodyPr>
-            <a:normAutofit fontScale="90000"/>
-          </a:bodyPr>
-          <a:lstStyle/>
-          <a:p>
-            <a:r>
-              <a:rPr lang="en-US" dirty="0"/>
-              <a:t>The hardware architecture of the</a:t>
-            </a:r>
-            <a:br>
-              <a:rPr lang="en-US" dirty="0"/>
-            </a:br>
-            <a:r>
-              <a:rPr lang="en-US" dirty="0"/>
-              <a:t>application</a:t>
-            </a:r>
-            <a:br>
-              <a:rPr lang="en-US" dirty="0"/>
-            </a:br>
-            <a:endParaRPr lang="en-US" dirty="0"/>
-          </a:p>
-        </p:txBody>
-      </p:sp>
-      <p:sp>
-        <p:nvSpPr>
-          <p:cNvPr id="3" name="Content Placeholder 2">
-            <a:extLst>
-              <a:ext uri="{FF2B5EF4-FFF2-40B4-BE49-F238E27FC236}">
-                <a16:creationId xmlns:a16="http://schemas.microsoft.com/office/drawing/2014/main" id="{9DFB4D33-31C1-43EC-9C2D-6CB6963C00E5}"/>
-              </a:ext>
-            </a:extLst>
-          </p:cNvPr>
-          <p:cNvSpPr>
-            <a:spLocks noGrp="1"/>
-          </p:cNvSpPr>
-          <p:nvPr>
-            <p:ph idx="1"/>
-          </p:nvPr>
-        </p:nvSpPr>
-        <p:spPr/>
-        <p:txBody>
-          <a:bodyPr/>
-          <a:lstStyle/>
-          <a:p>
-            <a:endParaRPr lang="en-US"/>
-          </a:p>
-        </p:txBody>
-      </p:sp>
-    </p:spTree>
-    <p:extLst>
-      <p:ext uri="{BB962C8B-B14F-4D97-AF65-F5344CB8AC3E}">
-        <p14:creationId xmlns:p14="http://schemas.microsoft.com/office/powerpoint/2010/main" val="1598195863"/>
       </p:ext>
     </p:extLst>
   </p:cSld>
@@ -13056,10 +13285,69 @@
         </p:nvSpPr>
         <p:spPr/>
         <p:txBody>
-          <a:bodyPr/>
+          <a:bodyPr>
+            <a:normAutofit lnSpcReduction="10000"/>
+          </a:bodyPr>
           <a:lstStyle/>
           <a:p>
-            <a:endParaRPr lang="en-US"/>
+            <a:r>
+              <a:rPr lang="en-US" dirty="0"/>
+              <a:t>An issue which I had it was regarding how I can send an email and how can I connect to the </a:t>
+            </a:r>
+            <a:r>
+              <a:rPr lang="en-US" dirty="0" err="1"/>
+              <a:t>WiFi</a:t>
+            </a:r>
+            <a:r>
+              <a:rPr lang="en-US" dirty="0"/>
+              <a:t>.  These two issues I solved them by using the libraries "</a:t>
+            </a:r>
+            <a:r>
+              <a:rPr lang="en-US" dirty="0" err="1"/>
+              <a:t>WiFiClientSecure.h</a:t>
+            </a:r>
+            <a:r>
+              <a:rPr lang="en-US" dirty="0"/>
+              <a:t>" and  "ESP8266WiFi". Also here I had the issue that an insecure email could not be sent because of google restrictions. In order to solve this issue I had to go in emails setting and enable Less secure app access</a:t>
+            </a:r>
+          </a:p>
+          <a:p>
+            <a:r>
+              <a:rPr lang="en-US" dirty="0"/>
+              <a:t>Another issue was how can I make the communication between the </a:t>
+            </a:r>
+            <a:r>
+              <a:rPr lang="en-US" dirty="0" err="1"/>
+              <a:t>moteino</a:t>
+            </a:r>
+            <a:r>
+              <a:rPr lang="en-US" dirty="0"/>
+              <a:t> and </a:t>
+            </a:r>
+            <a:r>
+              <a:rPr lang="en-US" dirty="0" err="1"/>
+              <a:t>WiFi</a:t>
+            </a:r>
+            <a:r>
+              <a:rPr lang="en-US" dirty="0"/>
+              <a:t> nodes. This I got solved through making the </a:t>
+            </a:r>
+            <a:r>
+              <a:rPr lang="en-US" dirty="0" err="1"/>
+              <a:t>Moteino</a:t>
+            </a:r>
+            <a:r>
+              <a:rPr lang="en-US" dirty="0"/>
+              <a:t> </a:t>
+            </a:r>
+            <a:r>
+              <a:rPr lang="en-US" dirty="0" err="1"/>
+              <a:t>WiFi</a:t>
+            </a:r>
+            <a:r>
+              <a:rPr lang="en-US" dirty="0"/>
+              <a:t> send and wait responses from each other.</a:t>
+            </a:r>
           </a:p>
         </p:txBody>
       </p:sp>
@@ -13150,12 +13438,34 @@
             <p:ph idx="1"/>
           </p:nvPr>
         </p:nvSpPr>
-        <p:spPr/>
+        <p:spPr>
+          <a:xfrm>
+            <a:off x="772357" y="2254929"/>
+            <a:ext cx="10346075" cy="4785064"/>
+          </a:xfrm>
+        </p:spPr>
         <p:txBody>
-          <a:bodyPr/>
+          <a:bodyPr>
+            <a:normAutofit/>
+          </a:bodyPr>
           <a:lstStyle/>
           <a:p>
-            <a:endParaRPr lang="en-US"/>
+            <a:pPr marL="0" indent="0">
+              <a:buNone/>
+            </a:pPr>
+            <a:r>
+              <a:rPr lang="en-US" dirty="0"/>
+              <a:t>	While working on this project I got to discover how fun and hard at the same time is it to start a project from the beginning without having loads of knowledge in the beginning. </a:t>
+            </a:r>
+          </a:p>
+          <a:p>
+            <a:pPr marL="0" indent="0">
+              <a:buNone/>
+            </a:pPr>
+            <a:r>
+              <a:rPr lang="en-US" dirty="0"/>
+              <a:t>	Through this project I have educated my style of working and also I have improved my abilities to solve my own blocking points. </a:t>
+            </a:r>
           </a:p>
         </p:txBody>
       </p:sp>
